--- a/Projet PowerBI Analyse de données.pptx
+++ b/Projet PowerBI Analyse de données.pptx
@@ -5,7 +5,7 @@
     <p:sldMasterId id="2147483660" r:id="rId1"/>
   </p:sldMasterIdLst>
   <p:notesMasterIdLst>
-    <p:notesMasterId r:id="rId7"/>
+    <p:notesMasterId r:id="rId10"/>
   </p:notesMasterIdLst>
   <p:sldIdLst>
     <p:sldId id="256" r:id="rId2"/>
@@ -13,6 +13,9 @@
     <p:sldId id="258" r:id="rId4"/>
     <p:sldId id="259" r:id="rId5"/>
     <p:sldId id="260" r:id="rId6"/>
+    <p:sldId id="261" r:id="rId7"/>
+    <p:sldId id="262" r:id="rId8"/>
+    <p:sldId id="263" r:id="rId9"/>
   </p:sldIdLst>
   <p:sldSz cx="12192000" cy="6858000"/>
   <p:notesSz cx="6858000" cy="9144000"/>
@@ -199,9 +202,9 @@
             </a:lvl1pPr>
           </a:lstStyle>
           <a:p>
-            <a:fld id="{41977505-74AA-45BE-8360-C728B68CB291}" type="datetimeFigureOut">
+            <a:fld id="{D7F1A4DD-1B1A-4342-AC5B-71020CB0BBC2}" type="datetimeFigureOut">
               <a:rPr lang="fr-FR" smtClean="0"/>
-              <a:t>27/03/2024</a:t>
+              <a:t>28/03/2024</a:t>
             </a:fld>
             <a:endParaRPr lang="fr-FR"/>
           </a:p>
@@ -357,7 +360,7 @@
             </a:lvl1pPr>
           </a:lstStyle>
           <a:p>
-            <a:fld id="{01230A6D-AA9A-4D8E-A91C-4DBA9949A4ED}" type="slidenum">
+            <a:fld id="{57C46894-285E-4892-A856-28232DD32B7D}" type="slidenum">
               <a:rPr lang="fr-FR" smtClean="0"/>
               <a:t>‹N°›</a:t>
             </a:fld>
@@ -368,7 +371,7 @@
     </p:spTree>
     <p:extLst>
       <p:ext uri="{BB962C8B-B14F-4D97-AF65-F5344CB8AC3E}">
-        <p14:creationId xmlns:p14="http://schemas.microsoft.com/office/powerpoint/2010/main" val="939943181"/>
+        <p14:creationId xmlns:p14="http://schemas.microsoft.com/office/powerpoint/2010/main" val="3336215654"/>
       </p:ext>
     </p:extLst>
   </p:cSld>
@@ -873,7 +876,7 @@
           <a:p>
             <a:r>
               <a:rPr b="1" dirty="0"/>
-              <a:t>Revenue par Quater et Year_Historique 3ans</a:t>
+              <a:t>Revenue par Trimestre et Année_Historique 3ans</a:t>
             </a:r>
             <a:endParaRPr dirty="0"/>
           </a:p>
@@ -925,6 +928,149 @@
             <a:r>
               <a:rPr b="1" dirty="0"/>
               <a:t>slicer</a:t>
+            </a:r>
+            <a:endParaRPr dirty="0"/>
+          </a:p>
+          <a:p>
+            <a:r>
+              <a:rPr b="0" dirty="0"/>
+              <a:t>No alt text provided</a:t>
+            </a:r>
+            <a:endParaRPr dirty="0"/>
+          </a:p>
+          <a:p>
+            <a:endParaRPr dirty="0"/>
+          </a:p>
+          <a:p>
+            <a:r>
+              <a:rPr b="1" dirty="0"/>
+              <a:t>slicer</a:t>
+            </a:r>
+            <a:endParaRPr dirty="0"/>
+          </a:p>
+          <a:p>
+            <a:r>
+              <a:rPr b="0" dirty="0"/>
+              <a:t>No alt text provided</a:t>
+            </a:r>
+            <a:endParaRPr dirty="0"/>
+          </a:p>
+          <a:p>
+            <a:endParaRPr dirty="0"/>
+          </a:p>
+        </p:txBody>
+      </p:sp>
+    </p:spTree>
+  </p:cSld>
+  <p:clrMapOvr>
+    <a:masterClrMapping/>
+  </p:clrMapOvr>
+</p:notes>
+</file>
+
+<file path=ppt/notesSlides/notesSlide4.xml><?xml version="1.0" encoding="utf-8"?>
+<p:notes xmlns:a="http://schemas.openxmlformats.org/drawingml/2006/main" xmlns:r="http://schemas.openxmlformats.org/officeDocument/2006/relationships" xmlns:p="http://schemas.openxmlformats.org/presentationml/2006/main">
+  <p:cSld>
+    <p:spTree>
+      <p:nvGrpSpPr>
+        <p:cNvPr id="1" name=""/>
+        <p:cNvGrpSpPr/>
+        <p:nvPr/>
+      </p:nvGrpSpPr>
+      <p:grpSpPr>
+        <a:xfrm>
+          <a:off x="0" y="0"/>
+          <a:ext cx="0" cy="0"/>
+          <a:chOff x="0" y="0"/>
+          <a:chExt cx="0" cy="0"/>
+        </a:xfrm>
+      </p:grpSpPr>
+      <p:sp>
+        <p:nvSpPr>
+          <p:cNvPr id="2" name="Slide Text"/>
+          <p:cNvSpPr>
+            <a:spLocks noGrp="1"/>
+          </p:cNvSpPr>
+          <p:nvPr>
+            <p:ph type="body" idx="1"/>
+          </p:nvPr>
+        </p:nvSpPr>
+        <p:spPr/>
+        <p:txBody>
+          <a:bodyPr/>
+          <a:lstStyle/>
+          <a:p>
+            <a:r>
+              <a:rPr b="1" dirty="0"/>
+              <a:t>shape</a:t>
+            </a:r>
+            <a:endParaRPr dirty="0"/>
+          </a:p>
+          <a:p>
+            <a:r>
+              <a:rPr b="0" dirty="0"/>
+              <a:t>No alt text provided</a:t>
+            </a:r>
+            <a:endParaRPr dirty="0"/>
+          </a:p>
+          <a:p>
+            <a:endParaRPr dirty="0"/>
+          </a:p>
+          <a:p>
+            <a:r>
+              <a:rPr b="1" dirty="0"/>
+              <a:t>shape</a:t>
+            </a:r>
+            <a:endParaRPr dirty="0"/>
+          </a:p>
+          <a:p>
+            <a:r>
+              <a:rPr b="0" dirty="0"/>
+              <a:t>No alt text provided</a:t>
+            </a:r>
+            <a:endParaRPr dirty="0"/>
+          </a:p>
+          <a:p>
+            <a:endParaRPr dirty="0"/>
+          </a:p>
+          <a:p>
+            <a:r>
+              <a:rPr b="1" dirty="0"/>
+              <a:t>slicer</a:t>
+            </a:r>
+            <a:endParaRPr dirty="0"/>
+          </a:p>
+          <a:p>
+            <a:r>
+              <a:rPr b="0" dirty="0"/>
+              <a:t>No alt text provided</a:t>
+            </a:r>
+            <a:endParaRPr dirty="0"/>
+          </a:p>
+          <a:p>
+            <a:endParaRPr dirty="0"/>
+          </a:p>
+          <a:p>
+            <a:r>
+              <a:rPr b="1" dirty="0"/>
+              <a:t>cardVisual</a:t>
+            </a:r>
+            <a:endParaRPr dirty="0"/>
+          </a:p>
+          <a:p>
+            <a:r>
+              <a:rPr b="0" dirty="0"/>
+              <a:t>No alt text provided</a:t>
+            </a:r>
+            <a:endParaRPr dirty="0"/>
+          </a:p>
+          <a:p>
+            <a:endParaRPr dirty="0"/>
+          </a:p>
+          <a:p>
+            <a:r>
+              <a:rPr b="1" dirty="0"/>
+              <a:t>Ecart Revenue YTD(YoY Growth) </a:t>
             </a:r>
             <a:endParaRPr dirty="0"/>
           </a:p>
@@ -1094,7 +1240,7 @@
           <a:p>
             <a:fld id="{627ED9C8-F09A-4D9E-BEC0-4725162E21FF}" type="datetimeFigureOut">
               <a:rPr lang="en-US" smtClean="0"/>
-              <a:t>3/27/2024</a:t>
+              <a:t>3/28/2024</a:t>
             </a:fld>
             <a:endParaRPr lang="en-US"/>
           </a:p>
@@ -1262,7 +1408,7 @@
           <a:p>
             <a:fld id="{627ED9C8-F09A-4D9E-BEC0-4725162E21FF}" type="datetimeFigureOut">
               <a:rPr lang="en-US" smtClean="0"/>
-              <a:t>3/27/2024</a:t>
+              <a:t>3/28/2024</a:t>
             </a:fld>
             <a:endParaRPr lang="en-US"/>
           </a:p>
@@ -1440,7 +1586,7 @@
           <a:p>
             <a:fld id="{627ED9C8-F09A-4D9E-BEC0-4725162E21FF}" type="datetimeFigureOut">
               <a:rPr lang="en-US" smtClean="0"/>
-              <a:t>3/27/2024</a:t>
+              <a:t>3/28/2024</a:t>
             </a:fld>
             <a:endParaRPr lang="en-US"/>
           </a:p>
@@ -1608,7 +1754,7 @@
           <a:p>
             <a:fld id="{627ED9C8-F09A-4D9E-BEC0-4725162E21FF}" type="datetimeFigureOut">
               <a:rPr lang="en-US" smtClean="0"/>
-              <a:t>3/27/2024</a:t>
+              <a:t>3/28/2024</a:t>
             </a:fld>
             <a:endParaRPr lang="en-US"/>
           </a:p>
@@ -1853,7 +1999,7 @@
           <a:p>
             <a:fld id="{627ED9C8-F09A-4D9E-BEC0-4725162E21FF}" type="datetimeFigureOut">
               <a:rPr lang="en-US" smtClean="0"/>
-              <a:t>3/27/2024</a:t>
+              <a:t>3/28/2024</a:t>
             </a:fld>
             <a:endParaRPr lang="en-US"/>
           </a:p>
@@ -2082,7 +2228,7 @@
           <a:p>
             <a:fld id="{627ED9C8-F09A-4D9E-BEC0-4725162E21FF}" type="datetimeFigureOut">
               <a:rPr lang="en-US" smtClean="0"/>
-              <a:t>3/27/2024</a:t>
+              <a:t>3/28/2024</a:t>
             </a:fld>
             <a:endParaRPr lang="en-US"/>
           </a:p>
@@ -2446,7 +2592,7 @@
           <a:p>
             <a:fld id="{627ED9C8-F09A-4D9E-BEC0-4725162E21FF}" type="datetimeFigureOut">
               <a:rPr lang="en-US" smtClean="0"/>
-              <a:t>3/27/2024</a:t>
+              <a:t>3/28/2024</a:t>
             </a:fld>
             <a:endParaRPr lang="en-US"/>
           </a:p>
@@ -2563,7 +2709,7 @@
           <a:p>
             <a:fld id="{627ED9C8-F09A-4D9E-BEC0-4725162E21FF}" type="datetimeFigureOut">
               <a:rPr lang="en-US" smtClean="0"/>
-              <a:t>3/27/2024</a:t>
+              <a:t>3/28/2024</a:t>
             </a:fld>
             <a:endParaRPr lang="en-US"/>
           </a:p>
@@ -2658,7 +2804,7 @@
           <a:p>
             <a:fld id="{627ED9C8-F09A-4D9E-BEC0-4725162E21FF}" type="datetimeFigureOut">
               <a:rPr lang="en-US" smtClean="0"/>
-              <a:t>3/27/2024</a:t>
+              <a:t>3/28/2024</a:t>
             </a:fld>
             <a:endParaRPr lang="en-US"/>
           </a:p>
@@ -2933,7 +3079,7 @@
           <a:p>
             <a:fld id="{627ED9C8-F09A-4D9E-BEC0-4725162E21FF}" type="datetimeFigureOut">
               <a:rPr lang="en-US" smtClean="0"/>
-              <a:t>3/27/2024</a:t>
+              <a:t>3/28/2024</a:t>
             </a:fld>
             <a:endParaRPr lang="en-US"/>
           </a:p>
@@ -3185,7 +3331,7 @@
           <a:p>
             <a:fld id="{627ED9C8-F09A-4D9E-BEC0-4725162E21FF}" type="datetimeFigureOut">
               <a:rPr lang="en-US" smtClean="0"/>
-              <a:t>3/27/2024</a:t>
+              <a:t>3/28/2024</a:t>
             </a:fld>
             <a:endParaRPr lang="en-US"/>
           </a:p>
@@ -3396,7 +3542,7 @@
           <a:p>
             <a:fld id="{627ED9C8-F09A-4D9E-BEC0-4725162E21FF}" type="datetimeFigureOut">
               <a:rPr lang="en-US" smtClean="0"/>
-              <a:t>3/27/2024</a:t>
+              <a:t>3/28/2024</a:t>
             </a:fld>
             <a:endParaRPr lang="en-US"/>
           </a:p>
@@ -3915,107 +4061,51 @@
               <a:defRPr/>
             </a:pPr>
             <a:r>
-              <a:rPr kumimoji="0" lang="en-US" sz="4400" b="0" i="0" u="none" strike="noStrike" kern="1200" cap="none" spc="0" normalizeH="0" baseline="0" noProof="0" dirty="0" err="1">
-                <a:ln>
-                  <a:noFill/>
-                </a:ln>
+              <a:rPr lang="en-US" dirty="0" err="1">
                 <a:solidFill>
                   <a:srgbClr val="F3C910"/>
                 </a:solidFill>
-                <a:effectLst/>
-                <a:uLnTx/>
-                <a:uFillTx/>
-                <a:latin typeface="Segoe UI Light" charset="0"/>
-                <a:ea typeface="Segoe UI Light" charset="0"/>
-                <a:cs typeface="Segoe UI Light" charset="0"/>
               </a:rPr>
-              <a:t>Quelques</a:t>
-            </a:r>
-            <a:r>
-              <a:rPr kumimoji="0" lang="en-US" sz="4400" b="0" i="0" u="none" strike="noStrike" kern="1200" cap="none" spc="0" normalizeH="0" baseline="0" noProof="0" dirty="0">
-                <a:ln>
-                  <a:noFill/>
-                </a:ln>
+              <a:t>Visuel</a:t>
+            </a:r>
+            <a:r>
+              <a:rPr lang="en-US" dirty="0">
                 <a:solidFill>
                   <a:srgbClr val="F3C910"/>
                 </a:solidFill>
-                <a:effectLst/>
-                <a:uLnTx/>
-                <a:uFillTx/>
-                <a:latin typeface="Segoe UI Light" charset="0"/>
-                <a:ea typeface="Segoe UI Light" charset="0"/>
-                <a:cs typeface="Segoe UI Light" charset="0"/>
               </a:rPr>
-              <a:t> </a:t>
-            </a:r>
-            <a:r>
-              <a:rPr kumimoji="0" lang="en-US" sz="4400" b="0" i="0" u="none" strike="noStrike" kern="1200" cap="none" spc="0" normalizeH="0" baseline="0" noProof="0" dirty="0" err="1">
-                <a:ln>
-                  <a:noFill/>
-                </a:ln>
+              <a:t> sur </a:t>
+            </a:r>
+            <a:r>
+              <a:rPr lang="en-US" dirty="0" err="1">
                 <a:solidFill>
                   <a:srgbClr val="F3C910"/>
                 </a:solidFill>
-                <a:effectLst/>
-                <a:uLnTx/>
-                <a:uFillTx/>
-                <a:latin typeface="Segoe UI Light" charset="0"/>
-                <a:ea typeface="Segoe UI Light" charset="0"/>
-                <a:cs typeface="Segoe UI Light" charset="0"/>
               </a:rPr>
-              <a:t>visualisations</a:t>
-            </a:r>
-            <a:r>
-              <a:rPr kumimoji="0" lang="en-US" sz="4400" b="0" i="0" u="none" strike="noStrike" kern="1200" cap="none" spc="0" normalizeH="0" baseline="0" noProof="0" dirty="0">
-                <a:ln>
-                  <a:noFill/>
-                </a:ln>
+              <a:t>l’analyse</a:t>
+            </a:r>
+            <a:r>
+              <a:rPr lang="en-US" dirty="0">
                 <a:solidFill>
                   <a:srgbClr val="F3C910"/>
                 </a:solidFill>
-                <a:effectLst/>
-                <a:uLnTx/>
-                <a:uFillTx/>
-                <a:latin typeface="Segoe UI Light" charset="0"/>
-                <a:ea typeface="Segoe UI Light" charset="0"/>
-                <a:cs typeface="Segoe UI Light" charset="0"/>
               </a:rPr>
-              <a:t> </a:t>
-            </a:r>
-            <a:r>
-              <a:rPr kumimoji="0" lang="en-US" sz="4400" b="0" i="0" u="none" strike="noStrike" kern="1200" cap="none" spc="0" normalizeH="0" baseline="0" noProof="0" dirty="0" err="1">
-                <a:ln>
-                  <a:noFill/>
-                </a:ln>
-                <a:solidFill>
-                  <a:srgbClr val="F3C910"/>
-                </a:solidFill>
-                <a:effectLst/>
-                <a:uLnTx/>
-                <a:uFillTx/>
-                <a:latin typeface="Segoe UI Light" charset="0"/>
-                <a:ea typeface="Segoe UI Light" charset="0"/>
-                <a:cs typeface="Segoe UI Light" charset="0"/>
-              </a:rPr>
-              <a:t>d’analyse</a:t>
-            </a:r>
-            <a:r>
-              <a:rPr kumimoji="0" lang="en-US" sz="4400" b="0" i="0" u="none" strike="noStrike" kern="1200" cap="none" spc="0" normalizeH="0" baseline="0" noProof="0" dirty="0">
-                <a:ln>
-                  <a:noFill/>
-                </a:ln>
-                <a:solidFill>
-                  <a:srgbClr val="F3C910"/>
-                </a:solidFill>
-                <a:effectLst/>
-                <a:uLnTx/>
-                <a:uFillTx/>
-                <a:latin typeface="Segoe UI Light" charset="0"/>
-                <a:ea typeface="Segoe UI Light" charset="0"/>
-                <a:cs typeface="Segoe UI Light" charset="0"/>
-              </a:rPr>
-              <a:t> des ventes</a:t>
-            </a:r>
+              <a:t> ventes</a:t>
+            </a:r>
+            <a:endParaRPr kumimoji="0" lang="en-US" sz="4400" b="0" i="0" u="none" strike="noStrike" kern="1200" cap="none" spc="0" normalizeH="0" baseline="0" noProof="0" dirty="0">
+              <a:ln>
+                <a:noFill/>
+              </a:ln>
+              <a:solidFill>
+                <a:srgbClr val="F3C910"/>
+              </a:solidFill>
+              <a:effectLst/>
+              <a:uLnTx/>
+              <a:uFillTx/>
+              <a:latin typeface="Segoe UI Light" charset="0"/>
+              <a:ea typeface="Segoe UI Light" charset="0"/>
+              <a:cs typeface="Segoe UI Light" charset="0"/>
+            </a:endParaRPr>
           </a:p>
         </p:txBody>
       </p:sp>
@@ -4283,7 +4373,7 @@
                 <a:ea typeface="Segoe UI" charset="0"/>
                 <a:cs typeface="Segoe UI" charset="0"/>
               </a:rPr>
-              <a:t>27/03/2024 17:15:26 UTC</a:t>
+              <a:t>28/03/2024 09:00:08 UTC</a:t>
             </a:r>
           </a:p>
         </p:txBody>
@@ -4340,7 +4430,7 @@
                 <a:ea typeface="Segoe UI" charset="0"/>
                 <a:cs typeface="Segoe UI" charset="0"/>
               </a:rPr>
-              <a:t>27/03/2024 16:40:18 UTC</a:t>
+              <a:t>28/03/2024 08:26:01 UTC</a:t>
             </a:r>
             <a:endParaRPr lang="en-US" sz="900" b="0" i="0" dirty="0">
               <a:solidFill>
@@ -4597,7 +4687,7 @@
       </p:grpSpPr>
       <p:pic>
         <p:nvPicPr>
-          <p:cNvPr id="3" name="Picture" title="This slide contains the following visuals:  Revenue par Mois et la droite la moyenne  ,Revenue par Quater et Year_Historique 3ans ,shape ,shape ,slicer ,slicer. Please refer to the notes on this slide for details">
+          <p:cNvPr id="3" name="Picture" title="This slide contains the following visuals:  Revenue par Mois et la droite la moyenne  ,Revenue par Trimestre et Année_Historique 3ans ,shape ,shape ,slicer ,slicer. Please refer to the notes on this slide for details">
             <a:hlinkClick r:id="rId3"/>
           </p:cNvPr>
           <p:cNvPicPr>
@@ -4668,12 +4758,85 @@
           <a:chExt cx="0" cy="0"/>
         </a:xfrm>
       </p:grpSpPr>
+      <p:pic>
+        <p:nvPicPr>
+          <p:cNvPr id="3" name="Picture" title="This slide contains the following visuals: shape ,shape ,slicer ,cardVisual ,Ecart Revenue YTD(YoY Growth)  ,slicer. Please refer to the notes on this slide for details">
+            <a:hlinkClick r:id="rId3"/>
+          </p:cNvPr>
+          <p:cNvPicPr>
+            <a:picLocks noChangeAspect="1"/>
+          </p:cNvPicPr>
+          <p:nvPr/>
+        </p:nvPicPr>
+        <p:blipFill>
+          <a:blip r:embed="rId4"/>
+          <a:stretch>
+            <a:fillRect/>
+          </a:stretch>
+        </p:blipFill>
+        <p:spPr>
+          <a:xfrm>
+            <a:off x="76200" y="0"/>
+            <a:ext cx="12020550" cy="6858000"/>
+          </a:xfrm>
+          <a:prstGeom prst="rect">
+            <a:avLst/>
+          </a:prstGeom>
+          <a:noFill/>
+        </p:spPr>
+      </p:pic>
+      <p:sp>
+        <p:nvSpPr>
+          <p:cNvPr id="4" name="Title" hidden="1"/>
+          <p:cNvSpPr>
+            <a:spLocks noGrp="1"/>
+          </p:cNvSpPr>
+          <p:nvPr>
+            <p:ph type="title"/>
+          </p:nvPr>
+        </p:nvSpPr>
+        <p:spPr/>
+        <p:txBody>
+          <a:bodyPr/>
+          <a:lstStyle/>
+          <a:p>
+            <a:r>
+              <a:t>Evolution YDT</a:t>
+            </a:r>
+          </a:p>
+        </p:txBody>
+      </p:sp>
+    </p:spTree>
+  </p:cSld>
+  <p:clrMapOvr>
+    <a:masterClrMapping/>
+  </p:clrMapOvr>
+</p:sld>
+</file>
+
+<file path=ppt/slides/slide6.xml><?xml version="1.0" encoding="utf-8"?>
+<p:sld xmlns:a="http://schemas.openxmlformats.org/drawingml/2006/main" xmlns:r="http://schemas.openxmlformats.org/officeDocument/2006/relationships" xmlns:p="http://schemas.openxmlformats.org/presentationml/2006/main">
+  <p:cSld>
+    <p:spTree>
+      <p:nvGrpSpPr>
+        <p:cNvPr id="1" name=""/>
+        <p:cNvGrpSpPr/>
+        <p:nvPr/>
+      </p:nvGrpSpPr>
+      <p:grpSpPr>
+        <a:xfrm>
+          <a:off x="0" y="0"/>
+          <a:ext cx="0" cy="0"/>
+          <a:chOff x="0" y="0"/>
+          <a:chExt cx="0" cy="0"/>
+        </a:xfrm>
+      </p:grpSpPr>
       <p:sp>
         <p:nvSpPr>
           <p:cNvPr id="2" name="Titre 1">
             <a:extLst>
               <a:ext uri="{FF2B5EF4-FFF2-40B4-BE49-F238E27FC236}">
-                <a16:creationId xmlns:a16="http://schemas.microsoft.com/office/drawing/2014/main" id="{6457D753-2861-0DF8-1A8A-62C4F7F653AC}"/>
+                <a16:creationId xmlns:a16="http://schemas.microsoft.com/office/drawing/2014/main" id="{88A262BD-FED4-9A33-1A63-97B5701B31FD}"/>
               </a:ext>
             </a:extLst>
           </p:cNvPr>
@@ -4687,22 +4850,16 @@
         <p:spPr>
           <a:xfrm>
             <a:off x="839788" y="457200"/>
-            <a:ext cx="5256212" cy="403412"/>
+            <a:ext cx="6801089" cy="682668"/>
           </a:xfrm>
         </p:spPr>
         <p:txBody>
-          <a:bodyPr>
-            <a:normAutofit fontScale="90000"/>
-          </a:bodyPr>
-          <a:lstStyle/>
-          <a:p>
-            <a:r>
-              <a:rPr lang="fr-FR" dirty="0">
-                <a:solidFill>
-                  <a:srgbClr val="7030A0"/>
-                </a:solidFill>
-              </a:rPr>
-              <a:t>Modèle de données utilisées</a:t>
+          <a:bodyPr/>
+          <a:lstStyle/>
+          <a:p>
+            <a:r>
+              <a:rPr lang="fr-FR" dirty="0"/>
+              <a:t>Modèle de données utilisé</a:t>
             </a:r>
           </a:p>
         </p:txBody>
@@ -4712,7 +4869,7 @@
           <p:cNvPr id="6" name="Image 5">
             <a:extLst>
               <a:ext uri="{FF2B5EF4-FFF2-40B4-BE49-F238E27FC236}">
-                <a16:creationId xmlns:a16="http://schemas.microsoft.com/office/drawing/2014/main" id="{02060738-C7BE-1E74-9B1C-4B4B75EA4356}"/>
+                <a16:creationId xmlns:a16="http://schemas.microsoft.com/office/drawing/2014/main" id="{7B350BF5-2625-53A8-E397-98677F3B8D13}"/>
               </a:ext>
             </a:extLst>
           </p:cNvPr>
@@ -4729,8 +4886,8 @@
         </p:blipFill>
         <p:spPr>
           <a:xfrm>
-            <a:off x="1134950" y="902751"/>
-            <a:ext cx="9922100" cy="5052498"/>
+            <a:off x="990157" y="1257300"/>
+            <a:ext cx="10211685" cy="5349704"/>
           </a:xfrm>
           <a:prstGeom prst="rect">
             <a:avLst/>
@@ -4740,7 +4897,397 @@
     </p:spTree>
     <p:extLst>
       <p:ext uri="{BB962C8B-B14F-4D97-AF65-F5344CB8AC3E}">
-        <p14:creationId xmlns:p14="http://schemas.microsoft.com/office/powerpoint/2010/main" val="4261123325"/>
+        <p14:creationId xmlns:p14="http://schemas.microsoft.com/office/powerpoint/2010/main" val="1605018144"/>
+      </p:ext>
+    </p:extLst>
+  </p:cSld>
+  <p:clrMapOvr>
+    <a:masterClrMapping/>
+  </p:clrMapOvr>
+</p:sld>
+</file>
+
+<file path=ppt/slides/slide7.xml><?xml version="1.0" encoding="utf-8"?>
+<p:sld xmlns:a="http://schemas.openxmlformats.org/drawingml/2006/main" xmlns:r="http://schemas.openxmlformats.org/officeDocument/2006/relationships" xmlns:p="http://schemas.openxmlformats.org/presentationml/2006/main">
+  <p:cSld>
+    <p:spTree>
+      <p:nvGrpSpPr>
+        <p:cNvPr id="1" name=""/>
+        <p:cNvGrpSpPr/>
+        <p:nvPr/>
+      </p:nvGrpSpPr>
+      <p:grpSpPr>
+        <a:xfrm>
+          <a:off x="0" y="0"/>
+          <a:ext cx="0" cy="0"/>
+          <a:chOff x="0" y="0"/>
+          <a:chExt cx="0" cy="0"/>
+        </a:xfrm>
+      </p:grpSpPr>
+      <p:sp>
+        <p:nvSpPr>
+          <p:cNvPr id="2" name="Titre 1">
+            <a:extLst>
+              <a:ext uri="{FF2B5EF4-FFF2-40B4-BE49-F238E27FC236}">
+                <a16:creationId xmlns:a16="http://schemas.microsoft.com/office/drawing/2014/main" id="{88A262BD-FED4-9A33-1A63-97B5701B31FD}"/>
+              </a:ext>
+            </a:extLst>
+          </p:cNvPr>
+          <p:cNvSpPr>
+            <a:spLocks noGrp="1"/>
+          </p:cNvSpPr>
+          <p:nvPr>
+            <p:ph type="title"/>
+          </p:nvPr>
+        </p:nvSpPr>
+        <p:spPr>
+          <a:xfrm>
+            <a:off x="839787" y="457200"/>
+            <a:ext cx="10002383" cy="682668"/>
+          </a:xfrm>
+        </p:spPr>
+        <p:txBody>
+          <a:bodyPr>
+            <a:normAutofit/>
+          </a:bodyPr>
+          <a:lstStyle/>
+          <a:p>
+            <a:r>
+              <a:rPr lang="fr-FR" dirty="0"/>
+              <a:t>Exemple Dashboard Accès uniquement via </a:t>
+            </a:r>
+            <a:r>
+              <a:rPr lang="fr-FR" dirty="0" err="1"/>
+              <a:t>PowerBI</a:t>
+            </a:r>
+            <a:r>
+              <a:rPr lang="fr-FR" dirty="0"/>
+              <a:t> Service</a:t>
+            </a:r>
+          </a:p>
+        </p:txBody>
+      </p:sp>
+      <p:pic>
+        <p:nvPicPr>
+          <p:cNvPr id="4" name="Image 3">
+            <a:extLst>
+              <a:ext uri="{FF2B5EF4-FFF2-40B4-BE49-F238E27FC236}">
+                <a16:creationId xmlns:a16="http://schemas.microsoft.com/office/drawing/2014/main" id="{45578056-F645-7C8F-0D86-7D9FA77AF539}"/>
+              </a:ext>
+            </a:extLst>
+          </p:cNvPr>
+          <p:cNvPicPr>
+            <a:picLocks noChangeAspect="1"/>
+          </p:cNvPicPr>
+          <p:nvPr/>
+        </p:nvPicPr>
+        <p:blipFill>
+          <a:blip r:embed="rId2"/>
+          <a:stretch>
+            <a:fillRect/>
+          </a:stretch>
+        </p:blipFill>
+        <p:spPr>
+          <a:xfrm>
+            <a:off x="2123953" y="1051414"/>
+            <a:ext cx="9076207" cy="5523558"/>
+          </a:xfrm>
+          <a:prstGeom prst="rect">
+            <a:avLst/>
+          </a:prstGeom>
+        </p:spPr>
+      </p:pic>
+      <p:sp>
+        <p:nvSpPr>
+          <p:cNvPr id="5" name="Rectangle 4">
+            <a:extLst>
+              <a:ext uri="{FF2B5EF4-FFF2-40B4-BE49-F238E27FC236}">
+                <a16:creationId xmlns:a16="http://schemas.microsoft.com/office/drawing/2014/main" id="{B467D3F9-C7D2-DDA8-5D74-B10D9BBE90A8}"/>
+              </a:ext>
+            </a:extLst>
+          </p:cNvPr>
+          <p:cNvSpPr/>
+          <p:nvPr/>
+        </p:nvSpPr>
+        <p:spPr>
+          <a:xfrm>
+            <a:off x="87084" y="1556657"/>
+            <a:ext cx="1959429" cy="3439886"/>
+          </a:xfrm>
+          <a:prstGeom prst="rect">
+            <a:avLst/>
+          </a:prstGeom>
+          <a:noFill/>
+        </p:spPr>
+        <p:style>
+          <a:lnRef idx="2">
+            <a:schemeClr val="accent1">
+              <a:shade val="15000"/>
+            </a:schemeClr>
+          </a:lnRef>
+          <a:fillRef idx="1">
+            <a:schemeClr val="accent1"/>
+          </a:fillRef>
+          <a:effectRef idx="0">
+            <a:schemeClr val="accent1"/>
+          </a:effectRef>
+          <a:fontRef idx="minor">
+            <a:schemeClr val="lt1"/>
+          </a:fontRef>
+        </p:style>
+        <p:txBody>
+          <a:bodyPr rtlCol="0" anchor="ctr"/>
+          <a:lstStyle/>
+          <a:p>
+            <a:pPr algn="ctr"/>
+            <a:r>
+              <a:rPr lang="fr-FR" dirty="0">
+                <a:solidFill>
+                  <a:srgbClr val="7030A0"/>
+                </a:solidFill>
+              </a:rPr>
+              <a:t>Le Dashboard pourra reprendre les principaux graphiques de plusieurs rapports issus de différents départements de l’entreprise (Ventes/Marchandises/ RH </a:t>
+            </a:r>
+            <a:r>
+              <a:rPr lang="fr-FR" dirty="0" err="1">
+                <a:solidFill>
+                  <a:srgbClr val="7030A0"/>
+                </a:solidFill>
+              </a:rPr>
+              <a:t>ect</a:t>
+            </a:r>
+            <a:r>
+              <a:rPr lang="fr-FR" dirty="0">
+                <a:solidFill>
+                  <a:srgbClr val="7030A0"/>
+                </a:solidFill>
+              </a:rPr>
+              <a:t>…)</a:t>
+            </a:r>
+          </a:p>
+        </p:txBody>
+      </p:sp>
+    </p:spTree>
+    <p:extLst>
+      <p:ext uri="{BB962C8B-B14F-4D97-AF65-F5344CB8AC3E}">
+        <p14:creationId xmlns:p14="http://schemas.microsoft.com/office/powerpoint/2010/main" val="1807949854"/>
+      </p:ext>
+    </p:extLst>
+  </p:cSld>
+  <p:clrMapOvr>
+    <a:masterClrMapping/>
+  </p:clrMapOvr>
+</p:sld>
+</file>
+
+<file path=ppt/slides/slide8.xml><?xml version="1.0" encoding="utf-8"?>
+<p:sld xmlns:a="http://schemas.openxmlformats.org/drawingml/2006/main" xmlns:r="http://schemas.openxmlformats.org/officeDocument/2006/relationships" xmlns:p="http://schemas.openxmlformats.org/presentationml/2006/main">
+  <p:cSld>
+    <p:spTree>
+      <p:nvGrpSpPr>
+        <p:cNvPr id="1" name=""/>
+        <p:cNvGrpSpPr/>
+        <p:nvPr/>
+      </p:nvGrpSpPr>
+      <p:grpSpPr>
+        <a:xfrm>
+          <a:off x="0" y="0"/>
+          <a:ext cx="0" cy="0"/>
+          <a:chOff x="0" y="0"/>
+          <a:chExt cx="0" cy="0"/>
+        </a:xfrm>
+      </p:grpSpPr>
+      <p:sp>
+        <p:nvSpPr>
+          <p:cNvPr id="2" name="Titre 1">
+            <a:extLst>
+              <a:ext uri="{FF2B5EF4-FFF2-40B4-BE49-F238E27FC236}">
+                <a16:creationId xmlns:a16="http://schemas.microsoft.com/office/drawing/2014/main" id="{88A262BD-FED4-9A33-1A63-97B5701B31FD}"/>
+              </a:ext>
+            </a:extLst>
+          </p:cNvPr>
+          <p:cNvSpPr>
+            <a:spLocks noGrp="1"/>
+          </p:cNvSpPr>
+          <p:nvPr>
+            <p:ph type="title"/>
+          </p:nvPr>
+        </p:nvSpPr>
+        <p:spPr>
+          <a:xfrm>
+            <a:off x="740229" y="457200"/>
+            <a:ext cx="11038114" cy="682668"/>
+          </a:xfrm>
+        </p:spPr>
+        <p:txBody>
+          <a:bodyPr>
+            <a:normAutofit fontScale="90000"/>
+          </a:bodyPr>
+          <a:lstStyle/>
+          <a:p>
+            <a:r>
+              <a:rPr lang="fr-FR" b="1" dirty="0"/>
+              <a:t>Dernière étape</a:t>
+            </a:r>
+            <a:r>
+              <a:rPr lang="fr-FR" dirty="0"/>
+              <a:t>: Partage des rapports/</a:t>
+            </a:r>
+            <a:r>
+              <a:rPr lang="fr-FR" dirty="0" err="1"/>
+              <a:t>dashboard</a:t>
+            </a:r>
+            <a:r>
+              <a:rPr lang="fr-FR" dirty="0"/>
+              <a:t> et le paramétrage de l’actualisation continue des données via un Gateway</a:t>
+            </a:r>
+          </a:p>
+        </p:txBody>
+      </p:sp>
+      <p:pic>
+        <p:nvPicPr>
+          <p:cNvPr id="3" name="Image 2" descr="Une image contenant texte, capture d’écran, Police, nombre&#10;&#10;Description générée automatiquement">
+            <a:extLst>
+              <a:ext uri="{FF2B5EF4-FFF2-40B4-BE49-F238E27FC236}">
+                <a16:creationId xmlns:a16="http://schemas.microsoft.com/office/drawing/2014/main" id="{BA06A468-779F-F72F-3B81-609F36003E17}"/>
+              </a:ext>
+            </a:extLst>
+          </p:cNvPr>
+          <p:cNvPicPr>
+            <a:picLocks noChangeAspect="1"/>
+          </p:cNvPicPr>
+          <p:nvPr/>
+        </p:nvPicPr>
+        <p:blipFill>
+          <a:blip r:embed="rId2"/>
+          <a:stretch>
+            <a:fillRect/>
+          </a:stretch>
+        </p:blipFill>
+        <p:spPr>
+          <a:xfrm>
+            <a:off x="740229" y="1139868"/>
+            <a:ext cx="5836920" cy="3314700"/>
+          </a:xfrm>
+          <a:prstGeom prst="rect">
+            <a:avLst/>
+          </a:prstGeom>
+          <a:ln>
+            <a:solidFill>
+              <a:srgbClr val="7030A0"/>
+            </a:solidFill>
+          </a:ln>
+        </p:spPr>
+      </p:pic>
+      <p:pic>
+        <p:nvPicPr>
+          <p:cNvPr id="6" name="Image 5" descr="Une image contenant texte, capture d’écran&#10;&#10;Description générée automatiquement">
+            <a:extLst>
+              <a:ext uri="{FF2B5EF4-FFF2-40B4-BE49-F238E27FC236}">
+                <a16:creationId xmlns:a16="http://schemas.microsoft.com/office/drawing/2014/main" id="{2F4B2A96-1256-9B14-2832-804AD2B84E79}"/>
+              </a:ext>
+            </a:extLst>
+          </p:cNvPr>
+          <p:cNvPicPr>
+            <a:picLocks noChangeAspect="1"/>
+          </p:cNvPicPr>
+          <p:nvPr/>
+        </p:nvPicPr>
+        <p:blipFill>
+          <a:blip r:embed="rId3"/>
+          <a:stretch>
+            <a:fillRect/>
+          </a:stretch>
+        </p:blipFill>
+        <p:spPr>
+          <a:xfrm>
+            <a:off x="6817723" y="2599098"/>
+            <a:ext cx="4960620" cy="3710940"/>
+          </a:xfrm>
+          <a:prstGeom prst="rect">
+            <a:avLst/>
+          </a:prstGeom>
+          <a:ln>
+            <a:solidFill>
+              <a:srgbClr val="7030A0"/>
+            </a:solidFill>
+          </a:ln>
+        </p:spPr>
+      </p:pic>
+      <p:sp>
+        <p:nvSpPr>
+          <p:cNvPr id="7" name="Rectangle 6">
+            <a:extLst>
+              <a:ext uri="{FF2B5EF4-FFF2-40B4-BE49-F238E27FC236}">
+                <a16:creationId xmlns:a16="http://schemas.microsoft.com/office/drawing/2014/main" id="{E3FCCF6E-80F1-843C-96E1-0D2F8846C1FB}"/>
+              </a:ext>
+            </a:extLst>
+          </p:cNvPr>
+          <p:cNvSpPr/>
+          <p:nvPr/>
+        </p:nvSpPr>
+        <p:spPr>
+          <a:xfrm>
+            <a:off x="6817723" y="1588494"/>
+            <a:ext cx="4960620" cy="827314"/>
+          </a:xfrm>
+          <a:prstGeom prst="rect">
+            <a:avLst/>
+          </a:prstGeom>
+          <a:noFill/>
+        </p:spPr>
+        <p:style>
+          <a:lnRef idx="2">
+            <a:schemeClr val="accent1">
+              <a:shade val="15000"/>
+            </a:schemeClr>
+          </a:lnRef>
+          <a:fillRef idx="1">
+            <a:schemeClr val="accent1"/>
+          </a:fillRef>
+          <a:effectRef idx="0">
+            <a:schemeClr val="accent1"/>
+          </a:effectRef>
+          <a:fontRef idx="minor">
+            <a:schemeClr val="lt1"/>
+          </a:fontRef>
+        </p:style>
+        <p:txBody>
+          <a:bodyPr rtlCol="0" anchor="ctr"/>
+          <a:lstStyle/>
+          <a:p>
+            <a:pPr algn="ctr"/>
+            <a:r>
+              <a:rPr lang="fr-FR" dirty="0">
+                <a:solidFill>
+                  <a:srgbClr val="7030A0"/>
+                </a:solidFill>
+              </a:rPr>
+              <a:t>Possibilité de définir les jours/heures d’actualisation du </a:t>
+            </a:r>
+            <a:r>
+              <a:rPr lang="fr-FR" dirty="0" err="1">
+                <a:solidFill>
+                  <a:srgbClr val="7030A0"/>
+                </a:solidFill>
+              </a:rPr>
+              <a:t>dataset</a:t>
+            </a:r>
+            <a:r>
+              <a:rPr lang="fr-FR" dirty="0">
+                <a:solidFill>
+                  <a:srgbClr val="7030A0"/>
+                </a:solidFill>
+              </a:rPr>
+              <a:t> pour des données en temps réels. Exemple tous les lundis à 8h et 15h</a:t>
+            </a:r>
+          </a:p>
+        </p:txBody>
+      </p:sp>
+    </p:spTree>
+    <p:extLst>
+      <p:ext uri="{BB962C8B-B14F-4D97-AF65-F5344CB8AC3E}">
+        <p14:creationId xmlns:p14="http://schemas.microsoft.com/office/powerpoint/2010/main" val="594235262"/>
       </p:ext>
     </p:extLst>
   </p:cSld>
